--- a/AREA_Research_Agenda_2021/figures/overall methdology.pptx
+++ b/AREA_Research_Agenda_2021/figures/overall methdology.pptx
@@ -6,6 +6,7 @@
   </p:sldMasterIdLst>
   <p:sldIdLst>
     <p:sldId id="256" r:id="rId2"/>
+    <p:sldId id="257" r:id="rId3"/>
   </p:sldIdLst>
   <p:sldSz cx="12192000" cy="6858000"/>
   <p:notesSz cx="6858000" cy="9144000"/>
@@ -107,12 +108,12 @@
   <p:extLst>
     <p:ext uri="{EFAFB233-063F-42B5-8137-9DF3F51BA10A}">
       <p15:sldGuideLst xmlns:p15="http://schemas.microsoft.com/office/powerpoint/2012/main">
-        <p15:guide id="1" orient="horz" pos="2136" userDrawn="1">
+        <p15:guide id="1" orient="horz" pos="2160" userDrawn="1">
           <p15:clr>
             <a:srgbClr val="A4A3A4"/>
           </p15:clr>
         </p15:guide>
-        <p15:guide id="2" pos="3840" userDrawn="1">
+        <p15:guide id="2" pos="3864" userDrawn="1">
           <p15:clr>
             <a:srgbClr val="A4A3A4"/>
           </p15:clr>
@@ -5751,6 +5752,2399 @@
 </p:sld>
 </file>
 
+<file path=ppt/slides/slide2.xml><?xml version="1.0" encoding="utf-8"?>
+<p:sld xmlns:a="http://schemas.openxmlformats.org/drawingml/2006/main" xmlns:r="http://schemas.openxmlformats.org/officeDocument/2006/relationships" xmlns:p="http://schemas.openxmlformats.org/presentationml/2006/main">
+  <p:cSld>
+    <p:spTree>
+      <p:nvGrpSpPr>
+        <p:cNvPr id="1" name=""/>
+        <p:cNvGrpSpPr/>
+        <p:nvPr/>
+      </p:nvGrpSpPr>
+      <p:grpSpPr>
+        <a:xfrm>
+          <a:off x="0" y="0"/>
+          <a:ext cx="0" cy="0"/>
+          <a:chOff x="0" y="0"/>
+          <a:chExt cx="0" cy="0"/>
+        </a:xfrm>
+      </p:grpSpPr>
+      <p:cxnSp>
+        <p:nvCxnSpPr>
+          <p:cNvPr id="112" name="Straight Arrow Connector 111">
+            <a:extLst>
+              <a:ext uri="{FF2B5EF4-FFF2-40B4-BE49-F238E27FC236}">
+                <a16:creationId xmlns:a16="http://schemas.microsoft.com/office/drawing/2014/main" id="{35403684-E526-42B6-9436-CE2E1EE5AB88}"/>
+              </a:ext>
+            </a:extLst>
+          </p:cNvPr>
+          <p:cNvCxnSpPr>
+            <a:cxnSpLocks/>
+            <a:stCxn id="70" idx="3"/>
+            <a:endCxn id="107" idx="1"/>
+          </p:cNvCxnSpPr>
+          <p:nvPr/>
+        </p:nvCxnSpPr>
+        <p:spPr>
+          <a:xfrm>
+            <a:off x="9906934" y="5744248"/>
+            <a:ext cx="297482" cy="7580"/>
+          </a:xfrm>
+          <a:prstGeom prst="straightConnector1">
+            <a:avLst/>
+          </a:prstGeom>
+          <a:ln>
+            <a:tailEnd type="triangle"/>
+          </a:ln>
+        </p:spPr>
+        <p:style>
+          <a:lnRef idx="1">
+            <a:schemeClr val="dk1"/>
+          </a:lnRef>
+          <a:fillRef idx="0">
+            <a:schemeClr val="dk1"/>
+          </a:fillRef>
+          <a:effectRef idx="0">
+            <a:schemeClr val="dk1"/>
+          </a:effectRef>
+          <a:fontRef idx="minor">
+            <a:schemeClr val="tx1"/>
+          </a:fontRef>
+        </p:style>
+      </p:cxnSp>
+      <p:cxnSp>
+        <p:nvCxnSpPr>
+          <p:cNvPr id="109" name="Straight Arrow Connector 108">
+            <a:extLst>
+              <a:ext uri="{FF2B5EF4-FFF2-40B4-BE49-F238E27FC236}">
+                <a16:creationId xmlns:a16="http://schemas.microsoft.com/office/drawing/2014/main" id="{9FDD8902-B038-4092-AE7A-C2A0947EF93F}"/>
+              </a:ext>
+            </a:extLst>
+          </p:cNvPr>
+          <p:cNvCxnSpPr>
+            <a:cxnSpLocks/>
+          </p:cNvCxnSpPr>
+          <p:nvPr/>
+        </p:nvCxnSpPr>
+        <p:spPr>
+          <a:xfrm>
+            <a:off x="10600697" y="4626615"/>
+            <a:ext cx="0" cy="640772"/>
+          </a:xfrm>
+          <a:prstGeom prst="straightConnector1">
+            <a:avLst/>
+          </a:prstGeom>
+          <a:ln>
+            <a:tailEnd type="triangle"/>
+          </a:ln>
+        </p:spPr>
+        <p:style>
+          <a:lnRef idx="1">
+            <a:schemeClr val="dk1"/>
+          </a:lnRef>
+          <a:fillRef idx="0">
+            <a:schemeClr val="dk1"/>
+          </a:fillRef>
+          <a:effectRef idx="0">
+            <a:schemeClr val="dk1"/>
+          </a:effectRef>
+          <a:fontRef idx="minor">
+            <a:schemeClr val="tx1"/>
+          </a:fontRef>
+        </p:style>
+      </p:cxnSp>
+      <p:sp>
+        <p:nvSpPr>
+          <p:cNvPr id="90" name="Rectangle 89">
+            <a:extLst>
+              <a:ext uri="{FF2B5EF4-FFF2-40B4-BE49-F238E27FC236}">
+                <a16:creationId xmlns:a16="http://schemas.microsoft.com/office/drawing/2014/main" id="{D2F21B41-B62B-4489-B5E8-85446DC2149A}"/>
+              </a:ext>
+            </a:extLst>
+          </p:cNvPr>
+          <p:cNvSpPr/>
+          <p:nvPr/>
+        </p:nvSpPr>
+        <p:spPr>
+          <a:xfrm>
+            <a:off x="5809821" y="3401232"/>
+            <a:ext cx="2079166" cy="1091441"/>
+          </a:xfrm>
+          <a:prstGeom prst="rect">
+            <a:avLst/>
+          </a:prstGeom>
+          <a:solidFill>
+            <a:schemeClr val="bg1"/>
+          </a:solidFill>
+          <a:ln>
+            <a:solidFill>
+              <a:schemeClr val="bg1">
+                <a:lumMod val="50000"/>
+              </a:schemeClr>
+            </a:solidFill>
+          </a:ln>
+          <a:effectLst>
+            <a:outerShdw blurRad="50800" dist="38100" dir="8100000" algn="tr" rotWithShape="0">
+              <a:prstClr val="black">
+                <a:alpha val="40000"/>
+              </a:prstClr>
+            </a:outerShdw>
+          </a:effectLst>
+        </p:spPr>
+        <p:style>
+          <a:lnRef idx="2">
+            <a:schemeClr val="accent1">
+              <a:shade val="50000"/>
+            </a:schemeClr>
+          </a:lnRef>
+          <a:fillRef idx="1">
+            <a:schemeClr val="accent1"/>
+          </a:fillRef>
+          <a:effectRef idx="0">
+            <a:schemeClr val="accent1"/>
+          </a:effectRef>
+          <a:fontRef idx="minor">
+            <a:schemeClr val="lt1"/>
+          </a:fontRef>
+        </p:style>
+        <p:txBody>
+          <a:bodyPr rtlCol="0" anchor="t" anchorCtr="0"/>
+          <a:lstStyle/>
+          <a:p>
+            <a:pPr algn="ctr"/>
+            <a:endParaRPr lang="en-US" dirty="0">
+              <a:solidFill>
+                <a:schemeClr val="tx1"/>
+              </a:solidFill>
+            </a:endParaRPr>
+          </a:p>
+        </p:txBody>
+      </p:sp>
+      <p:cxnSp>
+        <p:nvCxnSpPr>
+          <p:cNvPr id="6" name="Straight Arrow Connector 5">
+            <a:extLst>
+              <a:ext uri="{FF2B5EF4-FFF2-40B4-BE49-F238E27FC236}">
+                <a16:creationId xmlns:a16="http://schemas.microsoft.com/office/drawing/2014/main" id="{9D50BCC5-EABE-4A3D-91A3-D4FA1D268CFF}"/>
+              </a:ext>
+            </a:extLst>
+          </p:cNvPr>
+          <p:cNvCxnSpPr>
+            <a:cxnSpLocks/>
+            <a:stCxn id="9" idx="3"/>
+            <a:endCxn id="1030" idx="0"/>
+          </p:cNvCxnSpPr>
+          <p:nvPr/>
+        </p:nvCxnSpPr>
+        <p:spPr>
+          <a:xfrm>
+            <a:off x="1502487" y="1418746"/>
+            <a:ext cx="1" cy="853498"/>
+          </a:xfrm>
+          <a:prstGeom prst="straightConnector1">
+            <a:avLst/>
+          </a:prstGeom>
+          <a:ln>
+            <a:tailEnd type="triangle"/>
+          </a:ln>
+        </p:spPr>
+        <p:style>
+          <a:lnRef idx="1">
+            <a:schemeClr val="dk1"/>
+          </a:lnRef>
+          <a:fillRef idx="0">
+            <a:schemeClr val="dk1"/>
+          </a:fillRef>
+          <a:effectRef idx="0">
+            <a:schemeClr val="dk1"/>
+          </a:effectRef>
+          <a:fontRef idx="minor">
+            <a:schemeClr val="tx1"/>
+          </a:fontRef>
+        </p:style>
+      </p:cxnSp>
+      <p:sp>
+        <p:nvSpPr>
+          <p:cNvPr id="8" name="Rectangle: Folded Corner 7">
+            <a:extLst>
+              <a:ext uri="{FF2B5EF4-FFF2-40B4-BE49-F238E27FC236}">
+                <a16:creationId xmlns:a16="http://schemas.microsoft.com/office/drawing/2014/main" id="{9D651AB8-61FD-447B-97C5-29F098DEEFFA}"/>
+              </a:ext>
+            </a:extLst>
+          </p:cNvPr>
+          <p:cNvSpPr/>
+          <p:nvPr/>
+        </p:nvSpPr>
+        <p:spPr>
+          <a:xfrm>
+            <a:off x="619212" y="1594735"/>
+            <a:ext cx="1866497" cy="457200"/>
+          </a:xfrm>
+          <a:prstGeom prst="foldedCorner">
+            <a:avLst/>
+          </a:prstGeom>
+          <a:solidFill>
+            <a:schemeClr val="bg1"/>
+          </a:solidFill>
+          <a:ln>
+            <a:solidFill>
+              <a:schemeClr val="bg1">
+                <a:lumMod val="50000"/>
+              </a:schemeClr>
+            </a:solidFill>
+          </a:ln>
+          <a:effectLst>
+            <a:outerShdw blurRad="50800" dist="38100" dir="8100000" algn="tr" rotWithShape="0">
+              <a:prstClr val="black">
+                <a:alpha val="40000"/>
+              </a:prstClr>
+            </a:outerShdw>
+          </a:effectLst>
+        </p:spPr>
+        <p:style>
+          <a:lnRef idx="2">
+            <a:schemeClr val="accent1">
+              <a:shade val="50000"/>
+            </a:schemeClr>
+          </a:lnRef>
+          <a:fillRef idx="1">
+            <a:schemeClr val="accent1"/>
+          </a:fillRef>
+          <a:effectRef idx="0">
+            <a:schemeClr val="accent1"/>
+          </a:effectRef>
+          <a:fontRef idx="minor">
+            <a:schemeClr val="lt1"/>
+          </a:fontRef>
+        </p:style>
+        <p:txBody>
+          <a:bodyPr rot="0" spcFirstLastPara="0" vertOverflow="overflow" horzOverflow="overflow" vert="horz" wrap="square" lIns="91440" tIns="45720" rIns="91440" bIns="45720" numCol="1" spcCol="0" rtlCol="0" fromWordArt="0" anchor="ctr" anchorCtr="0" forceAA="0" compatLnSpc="1">
+            <a:prstTxWarp prst="textNoShape">
+              <a:avLst/>
+            </a:prstTxWarp>
+            <a:noAutofit/>
+          </a:bodyPr>
+          <a:lstStyle/>
+          <a:p>
+            <a:pPr algn="r"/>
+            <a:r>
+              <a:rPr lang="en-US" dirty="0">
+                <a:solidFill>
+                  <a:schemeClr val="tx1"/>
+                </a:solidFill>
+              </a:rPr>
+              <a:t>Query and filter</a:t>
+            </a:r>
+          </a:p>
+        </p:txBody>
+      </p:sp>
+      <p:pic>
+        <p:nvPicPr>
+          <p:cNvPr id="1030" name="Picture 6" descr="Table Icon | IconExperience - Professional Icons » O-Collection">
+            <a:extLst>
+              <a:ext uri="{FF2B5EF4-FFF2-40B4-BE49-F238E27FC236}">
+                <a16:creationId xmlns:a16="http://schemas.microsoft.com/office/drawing/2014/main" id="{EDE2BDFE-A776-4DD3-A48D-979D7A20CFFC}"/>
+              </a:ext>
+            </a:extLst>
+          </p:cNvPr>
+          <p:cNvPicPr>
+            <a:picLocks noChangeAspect="1" noChangeArrowheads="1"/>
+          </p:cNvPicPr>
+          <p:nvPr/>
+        </p:nvPicPr>
+        <p:blipFill rotWithShape="1">
+          <a:blip r:embed="rId2">
+            <a:extLst>
+              <a:ext uri="{28A0092B-C50C-407E-A947-70E740481C1C}">
+                <a14:useLocalDpi xmlns:a14="http://schemas.microsoft.com/office/drawing/2010/main" val="0"/>
+              </a:ext>
+            </a:extLst>
+          </a:blip>
+          <a:srcRect l="9481" t="12099" r="9630" b="8000"/>
+          <a:stretch/>
+        </p:blipFill>
+        <p:spPr bwMode="auto">
+          <a:xfrm>
+            <a:off x="569239" y="2272244"/>
+            <a:ext cx="1866497" cy="1843693"/>
+          </a:xfrm>
+          <a:prstGeom prst="rect">
+            <a:avLst/>
+          </a:prstGeom>
+          <a:noFill/>
+          <a:extLst>
+            <a:ext uri="{909E8E84-426E-40DD-AFC4-6F175D3DCCD1}">
+              <a14:hiddenFill xmlns:a14="http://schemas.microsoft.com/office/drawing/2010/main">
+                <a:solidFill>
+                  <a:srgbClr val="FFFFFF"/>
+                </a:solidFill>
+              </a14:hiddenFill>
+            </a:ext>
+          </a:extLst>
+        </p:spPr>
+      </p:pic>
+      <p:sp>
+        <p:nvSpPr>
+          <p:cNvPr id="27" name="Rectangle 26">
+            <a:extLst>
+              <a:ext uri="{FF2B5EF4-FFF2-40B4-BE49-F238E27FC236}">
+                <a16:creationId xmlns:a16="http://schemas.microsoft.com/office/drawing/2014/main" id="{AAC76338-B54F-40FF-A893-4A155C9B419A}"/>
+              </a:ext>
+            </a:extLst>
+          </p:cNvPr>
+          <p:cNvSpPr/>
+          <p:nvPr/>
+        </p:nvSpPr>
+        <p:spPr>
+          <a:xfrm>
+            <a:off x="1191576" y="2419263"/>
+            <a:ext cx="1137008" cy="1504425"/>
+          </a:xfrm>
+          <a:prstGeom prst="rect">
+            <a:avLst/>
+          </a:prstGeom>
+          <a:solidFill>
+            <a:schemeClr val="bg1"/>
+          </a:solidFill>
+          <a:ln>
+            <a:solidFill>
+              <a:schemeClr val="bg1">
+                <a:lumMod val="50000"/>
+              </a:schemeClr>
+            </a:solidFill>
+          </a:ln>
+          <a:effectLst>
+            <a:outerShdw blurRad="50800" dist="38100" dir="8100000" algn="tr" rotWithShape="0">
+              <a:prstClr val="black">
+                <a:alpha val="40000"/>
+              </a:prstClr>
+            </a:outerShdw>
+          </a:effectLst>
+        </p:spPr>
+        <p:style>
+          <a:lnRef idx="2">
+            <a:schemeClr val="accent1">
+              <a:shade val="50000"/>
+            </a:schemeClr>
+          </a:lnRef>
+          <a:fillRef idx="1">
+            <a:schemeClr val="accent1"/>
+          </a:fillRef>
+          <a:effectRef idx="0">
+            <a:schemeClr val="accent1"/>
+          </a:effectRef>
+          <a:fontRef idx="minor">
+            <a:schemeClr val="lt1"/>
+          </a:fontRef>
+        </p:style>
+        <p:txBody>
+          <a:bodyPr rtlCol="0" anchor="t" anchorCtr="0"/>
+          <a:lstStyle/>
+          <a:p>
+            <a:pPr algn="ctr"/>
+            <a:r>
+              <a:rPr lang="en-US" b="1" dirty="0">
+                <a:solidFill>
+                  <a:schemeClr val="tx1"/>
+                </a:solidFill>
+              </a:rPr>
+              <a:t>Metadata</a:t>
+            </a:r>
+          </a:p>
+          <a:p>
+            <a:pPr marL="119063" indent="-119063">
+              <a:buFont typeface="Arial" panose="020B0604020202020204" pitchFamily="34" charset="0"/>
+              <a:buChar char="•"/>
+            </a:pPr>
+            <a:r>
+              <a:rPr lang="en-US" dirty="0">
+                <a:solidFill>
+                  <a:schemeClr val="tx1"/>
+                </a:solidFill>
+              </a:rPr>
+              <a:t>Year</a:t>
+            </a:r>
+          </a:p>
+          <a:p>
+            <a:pPr marL="119063" indent="-119063">
+              <a:buFont typeface="Arial" panose="020B0604020202020204" pitchFamily="34" charset="0"/>
+              <a:buChar char="•"/>
+            </a:pPr>
+            <a:r>
+              <a:rPr lang="en-US" dirty="0">
+                <a:solidFill>
+                  <a:schemeClr val="tx1"/>
+                </a:solidFill>
+              </a:rPr>
+              <a:t>Title</a:t>
+            </a:r>
+          </a:p>
+          <a:p>
+            <a:pPr marL="119063" indent="-119063">
+              <a:buFont typeface="Arial" panose="020B0604020202020204" pitchFamily="34" charset="0"/>
+              <a:buChar char="•"/>
+            </a:pPr>
+            <a:r>
+              <a:rPr lang="en-US" dirty="0">
+                <a:solidFill>
+                  <a:schemeClr val="tx1"/>
+                </a:solidFill>
+              </a:rPr>
+              <a:t>Abstract</a:t>
+            </a:r>
+          </a:p>
+          <a:p>
+            <a:pPr marL="119063" indent="-119063">
+              <a:buFont typeface="Arial" panose="020B0604020202020204" pitchFamily="34" charset="0"/>
+              <a:buChar char="•"/>
+            </a:pPr>
+            <a:r>
+              <a:rPr lang="en-US" dirty="0">
+                <a:solidFill>
+                  <a:schemeClr val="tx1"/>
+                </a:solidFill>
+              </a:rPr>
+              <a:t>… …</a:t>
+            </a:r>
+          </a:p>
+          <a:p>
+            <a:pPr marL="119063" indent="-119063">
+              <a:buFont typeface="Arial" panose="020B0604020202020204" pitchFamily="34" charset="0"/>
+              <a:buChar char="•"/>
+            </a:pPr>
+            <a:endParaRPr lang="en-US" dirty="0">
+              <a:solidFill>
+                <a:schemeClr val="tx1"/>
+              </a:solidFill>
+            </a:endParaRPr>
+          </a:p>
+        </p:txBody>
+      </p:sp>
+      <p:pic>
+        <p:nvPicPr>
+          <p:cNvPr id="35" name="Picture 6" descr="Table Icon | IconExperience - Professional Icons » O-Collection">
+            <a:extLst>
+              <a:ext uri="{FF2B5EF4-FFF2-40B4-BE49-F238E27FC236}">
+                <a16:creationId xmlns:a16="http://schemas.microsoft.com/office/drawing/2014/main" id="{AE153A1B-0C30-4204-8F32-32A17DAAF0C5}"/>
+              </a:ext>
+            </a:extLst>
+          </p:cNvPr>
+          <p:cNvPicPr>
+            <a:picLocks noChangeAspect="1" noChangeArrowheads="1"/>
+          </p:cNvPicPr>
+          <p:nvPr/>
+        </p:nvPicPr>
+        <p:blipFill rotWithShape="1">
+          <a:blip r:embed="rId2">
+            <a:extLst>
+              <a:ext uri="{28A0092B-C50C-407E-A947-70E740481C1C}">
+                <a14:useLocalDpi xmlns:a14="http://schemas.microsoft.com/office/drawing/2010/main" val="0"/>
+              </a:ext>
+            </a:extLst>
+          </a:blip>
+          <a:srcRect l="9481" t="12099" r="9630" b="8000"/>
+          <a:stretch/>
+        </p:blipFill>
+        <p:spPr bwMode="auto">
+          <a:xfrm>
+            <a:off x="572336" y="4817597"/>
+            <a:ext cx="1866497" cy="1843693"/>
+          </a:xfrm>
+          <a:prstGeom prst="rect">
+            <a:avLst/>
+          </a:prstGeom>
+          <a:noFill/>
+          <a:extLst>
+            <a:ext uri="{909E8E84-426E-40DD-AFC4-6F175D3DCCD1}">
+              <a14:hiddenFill xmlns:a14="http://schemas.microsoft.com/office/drawing/2010/main">
+                <a:solidFill>
+                  <a:srgbClr val="FFFFFF"/>
+                </a:solidFill>
+              </a14:hiddenFill>
+            </a:ext>
+          </a:extLst>
+        </p:spPr>
+      </p:pic>
+      <p:sp>
+        <p:nvSpPr>
+          <p:cNvPr id="36" name="Rectangle 35">
+            <a:extLst>
+              <a:ext uri="{FF2B5EF4-FFF2-40B4-BE49-F238E27FC236}">
+                <a16:creationId xmlns:a16="http://schemas.microsoft.com/office/drawing/2014/main" id="{152E43EB-27AF-4FAC-BCD1-B366631EDA58}"/>
+              </a:ext>
+            </a:extLst>
+          </p:cNvPr>
+          <p:cNvSpPr/>
+          <p:nvPr/>
+        </p:nvSpPr>
+        <p:spPr>
+          <a:xfrm>
+            <a:off x="470743" y="6088775"/>
+            <a:ext cx="2014160" cy="336407"/>
+          </a:xfrm>
+          <a:prstGeom prst="rect">
+            <a:avLst/>
+          </a:prstGeom>
+          <a:solidFill>
+            <a:schemeClr val="bg1"/>
+          </a:solidFill>
+          <a:ln>
+            <a:solidFill>
+              <a:schemeClr val="bg1">
+                <a:lumMod val="50000"/>
+              </a:schemeClr>
+            </a:solidFill>
+          </a:ln>
+          <a:effectLst>
+            <a:outerShdw blurRad="50800" dist="38100" dir="8100000" algn="tr" rotWithShape="0">
+              <a:prstClr val="black">
+                <a:alpha val="40000"/>
+              </a:prstClr>
+            </a:outerShdw>
+          </a:effectLst>
+        </p:spPr>
+        <p:style>
+          <a:lnRef idx="2">
+            <a:schemeClr val="accent1">
+              <a:shade val="50000"/>
+            </a:schemeClr>
+          </a:lnRef>
+          <a:fillRef idx="1">
+            <a:schemeClr val="accent1"/>
+          </a:fillRef>
+          <a:effectRef idx="0">
+            <a:schemeClr val="accent1"/>
+          </a:effectRef>
+          <a:fontRef idx="minor">
+            <a:schemeClr val="lt1"/>
+          </a:fontRef>
+        </p:style>
+        <p:txBody>
+          <a:bodyPr rtlCol="0" anchor="ctr" anchorCtr="0"/>
+          <a:lstStyle/>
+          <a:p>
+            <a:pPr algn="ctr"/>
+            <a:r>
+              <a:rPr lang="en-US" b="1" dirty="0">
+                <a:solidFill>
+                  <a:schemeClr val="tx1"/>
+                </a:solidFill>
+              </a:rPr>
+              <a:t>Unified Dataset</a:t>
+            </a:r>
+            <a:endParaRPr lang="en-US" dirty="0">
+              <a:solidFill>
+                <a:schemeClr val="tx1"/>
+              </a:solidFill>
+            </a:endParaRPr>
+          </a:p>
+        </p:txBody>
+      </p:sp>
+      <p:sp>
+        <p:nvSpPr>
+          <p:cNvPr id="47" name="Rectangle: Folded Corner 46">
+            <a:extLst>
+              <a:ext uri="{FF2B5EF4-FFF2-40B4-BE49-F238E27FC236}">
+                <a16:creationId xmlns:a16="http://schemas.microsoft.com/office/drawing/2014/main" id="{7CCD1AA7-5E00-42F4-987A-C1634A45BDF1}"/>
+              </a:ext>
+            </a:extLst>
+          </p:cNvPr>
+          <p:cNvSpPr/>
+          <p:nvPr/>
+        </p:nvSpPr>
+        <p:spPr>
+          <a:xfrm>
+            <a:off x="5924923" y="5796362"/>
+            <a:ext cx="1664226" cy="914400"/>
+          </a:xfrm>
+          <a:prstGeom prst="foldedCorner">
+            <a:avLst/>
+          </a:prstGeom>
+          <a:solidFill>
+            <a:schemeClr val="bg1"/>
+          </a:solidFill>
+          <a:ln>
+            <a:solidFill>
+              <a:schemeClr val="bg1">
+                <a:lumMod val="50000"/>
+              </a:schemeClr>
+            </a:solidFill>
+          </a:ln>
+          <a:effectLst>
+            <a:outerShdw blurRad="50800" dist="38100" dir="8100000" algn="tr" rotWithShape="0">
+              <a:prstClr val="black">
+                <a:alpha val="40000"/>
+              </a:prstClr>
+            </a:outerShdw>
+          </a:effectLst>
+        </p:spPr>
+        <p:style>
+          <a:lnRef idx="2">
+            <a:schemeClr val="accent1">
+              <a:shade val="50000"/>
+            </a:schemeClr>
+          </a:lnRef>
+          <a:fillRef idx="1">
+            <a:schemeClr val="accent1"/>
+          </a:fillRef>
+          <a:effectRef idx="0">
+            <a:schemeClr val="accent1"/>
+          </a:effectRef>
+          <a:fontRef idx="minor">
+            <a:schemeClr val="lt1"/>
+          </a:fontRef>
+        </p:style>
+        <p:txBody>
+          <a:bodyPr rot="0" spcFirstLastPara="0" vertOverflow="overflow" horzOverflow="overflow" vert="horz" wrap="square" lIns="91440" tIns="45720" rIns="91440" bIns="45720" numCol="1" spcCol="0" rtlCol="0" fromWordArt="0" anchor="t" anchorCtr="0" forceAA="0" compatLnSpc="1">
+            <a:prstTxWarp prst="textNoShape">
+              <a:avLst/>
+            </a:prstTxWarp>
+            <a:noAutofit/>
+          </a:bodyPr>
+          <a:lstStyle/>
+          <a:p>
+            <a:pPr algn="r"/>
+            <a:r>
+              <a:rPr lang="en-US" dirty="0">
+                <a:solidFill>
+                  <a:schemeClr val="tx1"/>
+                </a:solidFill>
+              </a:rPr>
+              <a:t>Judge paper relevance to the AREA</a:t>
+            </a:r>
+          </a:p>
+        </p:txBody>
+      </p:sp>
+      <p:sp>
+        <p:nvSpPr>
+          <p:cNvPr id="48" name="Rectangle: Folded Corner 47">
+            <a:extLst>
+              <a:ext uri="{FF2B5EF4-FFF2-40B4-BE49-F238E27FC236}">
+                <a16:creationId xmlns:a16="http://schemas.microsoft.com/office/drawing/2014/main" id="{E7754453-D8F2-4D45-84AD-79FC7E8869BF}"/>
+              </a:ext>
+            </a:extLst>
+          </p:cNvPr>
+          <p:cNvSpPr/>
+          <p:nvPr/>
+        </p:nvSpPr>
+        <p:spPr>
+          <a:xfrm>
+            <a:off x="5924923" y="4943339"/>
+            <a:ext cx="1666802" cy="685800"/>
+          </a:xfrm>
+          <a:prstGeom prst="foldedCorner">
+            <a:avLst/>
+          </a:prstGeom>
+          <a:solidFill>
+            <a:schemeClr val="bg1"/>
+          </a:solidFill>
+          <a:ln>
+            <a:solidFill>
+              <a:schemeClr val="bg1">
+                <a:lumMod val="50000"/>
+              </a:schemeClr>
+            </a:solidFill>
+          </a:ln>
+          <a:effectLst>
+            <a:outerShdw blurRad="50800" dist="38100" dir="8100000" algn="tr" rotWithShape="0">
+              <a:prstClr val="black">
+                <a:alpha val="40000"/>
+              </a:prstClr>
+            </a:outerShdw>
+          </a:effectLst>
+        </p:spPr>
+        <p:style>
+          <a:lnRef idx="2">
+            <a:schemeClr val="accent1">
+              <a:shade val="50000"/>
+            </a:schemeClr>
+          </a:lnRef>
+          <a:fillRef idx="1">
+            <a:schemeClr val="accent1"/>
+          </a:fillRef>
+          <a:effectRef idx="0">
+            <a:schemeClr val="accent1"/>
+          </a:effectRef>
+          <a:fontRef idx="minor">
+            <a:schemeClr val="lt1"/>
+          </a:fontRef>
+        </p:style>
+        <p:txBody>
+          <a:bodyPr rot="0" spcFirstLastPara="0" vertOverflow="overflow" horzOverflow="overflow" vert="horz" wrap="square" lIns="91440" tIns="45720" rIns="91440" bIns="45720" numCol="1" spcCol="0" rtlCol="0" fromWordArt="0" anchor="ctr" anchorCtr="0" forceAA="0" compatLnSpc="1">
+            <a:prstTxWarp prst="textNoShape">
+              <a:avLst/>
+            </a:prstTxWarp>
+            <a:noAutofit/>
+          </a:bodyPr>
+          <a:lstStyle/>
+          <a:p>
+            <a:pPr algn="r"/>
+            <a:r>
+              <a:rPr lang="en-US" dirty="0">
+                <a:solidFill>
+                  <a:schemeClr val="tx1"/>
+                </a:solidFill>
+              </a:rPr>
+              <a:t>Judge paper </a:t>
+            </a:r>
+          </a:p>
+          <a:p>
+            <a:pPr algn="r"/>
+            <a:r>
+              <a:rPr lang="en-US" dirty="0">
+                <a:solidFill>
+                  <a:schemeClr val="tx1"/>
+                </a:solidFill>
+              </a:rPr>
+              <a:t>relatedness</a:t>
+            </a:r>
+          </a:p>
+        </p:txBody>
+      </p:sp>
+      <p:sp>
+        <p:nvSpPr>
+          <p:cNvPr id="50" name="Rectangle: Folded Corner 49">
+            <a:extLst>
+              <a:ext uri="{FF2B5EF4-FFF2-40B4-BE49-F238E27FC236}">
+                <a16:creationId xmlns:a16="http://schemas.microsoft.com/office/drawing/2014/main" id="{8D6BBBF5-016E-4772-8402-B0E13407AA81}"/>
+              </a:ext>
+            </a:extLst>
+          </p:cNvPr>
+          <p:cNvSpPr/>
+          <p:nvPr/>
+        </p:nvSpPr>
+        <p:spPr>
+          <a:xfrm>
+            <a:off x="3268943" y="5914079"/>
+            <a:ext cx="2115514" cy="685800"/>
+          </a:xfrm>
+          <a:prstGeom prst="foldedCorner">
+            <a:avLst/>
+          </a:prstGeom>
+          <a:solidFill>
+            <a:schemeClr val="bg1"/>
+          </a:solidFill>
+          <a:ln>
+            <a:solidFill>
+              <a:schemeClr val="bg1">
+                <a:lumMod val="50000"/>
+              </a:schemeClr>
+            </a:solidFill>
+          </a:ln>
+          <a:effectLst>
+            <a:outerShdw blurRad="50800" dist="38100" dir="8100000" algn="tr" rotWithShape="0">
+              <a:prstClr val="black">
+                <a:alpha val="40000"/>
+              </a:prstClr>
+            </a:outerShdw>
+          </a:effectLst>
+        </p:spPr>
+        <p:style>
+          <a:lnRef idx="2">
+            <a:schemeClr val="accent1">
+              <a:shade val="50000"/>
+            </a:schemeClr>
+          </a:lnRef>
+          <a:fillRef idx="1">
+            <a:schemeClr val="accent1"/>
+          </a:fillRef>
+          <a:effectRef idx="0">
+            <a:schemeClr val="accent1"/>
+          </a:effectRef>
+          <a:fontRef idx="minor">
+            <a:schemeClr val="lt1"/>
+          </a:fontRef>
+        </p:style>
+        <p:txBody>
+          <a:bodyPr rot="0" spcFirstLastPara="0" vertOverflow="overflow" horzOverflow="overflow" vert="horz" wrap="square" lIns="91440" tIns="45720" rIns="91440" bIns="45720" numCol="1" spcCol="0" rtlCol="0" fromWordArt="0" anchor="ctr" anchorCtr="0" forceAA="0" compatLnSpc="1">
+            <a:prstTxWarp prst="textNoShape">
+              <a:avLst/>
+            </a:prstTxWarp>
+            <a:noAutofit/>
+          </a:bodyPr>
+          <a:lstStyle/>
+          <a:p>
+            <a:pPr algn="r"/>
+            <a:r>
+              <a:rPr lang="en-US" dirty="0">
+                <a:solidFill>
+                  <a:schemeClr val="tx1"/>
+                </a:solidFill>
+              </a:rPr>
+              <a:t>Vectorize natural language via TFIDF</a:t>
+            </a:r>
+          </a:p>
+        </p:txBody>
+      </p:sp>
+      <p:pic>
+        <p:nvPicPr>
+          <p:cNvPr id="70" name="Picture 6" descr="Table Icon | IconExperience - Professional Icons » O-Collection">
+            <a:extLst>
+              <a:ext uri="{FF2B5EF4-FFF2-40B4-BE49-F238E27FC236}">
+                <a16:creationId xmlns:a16="http://schemas.microsoft.com/office/drawing/2014/main" id="{3EF95DE7-B4C3-46A5-97C6-20EAF14112C8}"/>
+              </a:ext>
+            </a:extLst>
+          </p:cNvPr>
+          <p:cNvPicPr>
+            <a:picLocks noChangeAspect="1" noChangeArrowheads="1"/>
+          </p:cNvPicPr>
+          <p:nvPr/>
+        </p:nvPicPr>
+        <p:blipFill rotWithShape="1">
+          <a:blip r:embed="rId2">
+            <a:extLst>
+              <a:ext uri="{28A0092B-C50C-407E-A947-70E740481C1C}">
+                <a14:useLocalDpi xmlns:a14="http://schemas.microsoft.com/office/drawing/2010/main" val="0"/>
+              </a:ext>
+            </a:extLst>
+          </a:blip>
+          <a:srcRect l="9481" t="12099" r="9630" b="8000"/>
+          <a:stretch/>
+        </p:blipFill>
+        <p:spPr bwMode="auto">
+          <a:xfrm>
+            <a:off x="8040437" y="4822401"/>
+            <a:ext cx="1866497" cy="1843693"/>
+          </a:xfrm>
+          <a:prstGeom prst="rect">
+            <a:avLst/>
+          </a:prstGeom>
+          <a:noFill/>
+          <a:extLst>
+            <a:ext uri="{909E8E84-426E-40DD-AFC4-6F175D3DCCD1}">
+              <a14:hiddenFill xmlns:a14="http://schemas.microsoft.com/office/drawing/2010/main">
+                <a:solidFill>
+                  <a:srgbClr val="FFFFFF"/>
+                </a:solidFill>
+              </a14:hiddenFill>
+            </a:ext>
+          </a:extLst>
+        </p:spPr>
+      </p:pic>
+      <p:sp>
+        <p:nvSpPr>
+          <p:cNvPr id="71" name="Rectangle 70">
+            <a:extLst>
+              <a:ext uri="{FF2B5EF4-FFF2-40B4-BE49-F238E27FC236}">
+                <a16:creationId xmlns:a16="http://schemas.microsoft.com/office/drawing/2014/main" id="{F7F3FCC0-10DE-4D38-A2D7-5D4D50ACEF88}"/>
+              </a:ext>
+            </a:extLst>
+          </p:cNvPr>
+          <p:cNvSpPr/>
+          <p:nvPr/>
+        </p:nvSpPr>
+        <p:spPr>
+          <a:xfrm>
+            <a:off x="7946061" y="5951934"/>
+            <a:ext cx="2014160" cy="595187"/>
+          </a:xfrm>
+          <a:prstGeom prst="rect">
+            <a:avLst/>
+          </a:prstGeom>
+          <a:solidFill>
+            <a:schemeClr val="bg1"/>
+          </a:solidFill>
+          <a:ln>
+            <a:solidFill>
+              <a:schemeClr val="bg1">
+                <a:lumMod val="50000"/>
+              </a:schemeClr>
+            </a:solidFill>
+          </a:ln>
+          <a:effectLst>
+            <a:outerShdw blurRad="50800" dist="38100" dir="8100000" algn="tr" rotWithShape="0">
+              <a:prstClr val="black">
+                <a:alpha val="40000"/>
+              </a:prstClr>
+            </a:outerShdw>
+          </a:effectLst>
+        </p:spPr>
+        <p:style>
+          <a:lnRef idx="2">
+            <a:schemeClr val="accent1">
+              <a:shade val="50000"/>
+            </a:schemeClr>
+          </a:lnRef>
+          <a:fillRef idx="1">
+            <a:schemeClr val="accent1"/>
+          </a:fillRef>
+          <a:effectRef idx="0">
+            <a:schemeClr val="accent1"/>
+          </a:effectRef>
+          <a:fontRef idx="minor">
+            <a:schemeClr val="lt1"/>
+          </a:fontRef>
+        </p:style>
+        <p:txBody>
+          <a:bodyPr rtlCol="0" anchor="ctr" anchorCtr="0"/>
+          <a:lstStyle/>
+          <a:p>
+            <a:pPr algn="ctr"/>
+            <a:r>
+              <a:rPr lang="en-US" b="1" dirty="0">
+                <a:solidFill>
+                  <a:schemeClr val="tx1"/>
+                </a:solidFill>
+              </a:rPr>
+              <a:t>Reference Dataset for </a:t>
+            </a:r>
+            <a:r>
+              <a:rPr lang="en-US" b="1" dirty="0" err="1">
+                <a:solidFill>
+                  <a:schemeClr val="tx1"/>
+                </a:solidFill>
+              </a:rPr>
+              <a:t>FindAR</a:t>
+            </a:r>
+            <a:endParaRPr lang="en-US" dirty="0">
+              <a:solidFill>
+                <a:schemeClr val="tx1"/>
+              </a:solidFill>
+            </a:endParaRPr>
+          </a:p>
+        </p:txBody>
+      </p:sp>
+      <p:pic>
+        <p:nvPicPr>
+          <p:cNvPr id="1032" name="Picture 8" descr="Correlation, data, hub, network, visualisation icon - Download on Iconfinder">
+            <a:extLst>
+              <a:ext uri="{FF2B5EF4-FFF2-40B4-BE49-F238E27FC236}">
+                <a16:creationId xmlns:a16="http://schemas.microsoft.com/office/drawing/2014/main" id="{2383C9EA-2ED4-408C-9F13-961991A53A2F}"/>
+              </a:ext>
+            </a:extLst>
+          </p:cNvPr>
+          <p:cNvPicPr>
+            <a:picLocks noChangeAspect="1" noChangeArrowheads="1"/>
+          </p:cNvPicPr>
+          <p:nvPr/>
+        </p:nvPicPr>
+        <p:blipFill>
+          <a:blip r:embed="rId3">
+            <a:extLst>
+              <a:ext uri="{28A0092B-C50C-407E-A947-70E740481C1C}">
+                <a14:useLocalDpi xmlns:a14="http://schemas.microsoft.com/office/drawing/2010/main" val="0"/>
+              </a:ext>
+            </a:extLst>
+          </a:blip>
+          <a:srcRect/>
+          <a:stretch>
+            <a:fillRect/>
+          </a:stretch>
+        </p:blipFill>
+        <p:spPr bwMode="auto">
+          <a:xfrm rot="4720150">
+            <a:off x="5857794" y="3465252"/>
+            <a:ext cx="1031582" cy="1031582"/>
+          </a:xfrm>
+          <a:prstGeom prst="rect">
+            <a:avLst/>
+          </a:prstGeom>
+          <a:noFill/>
+          <a:extLst>
+            <a:ext uri="{909E8E84-426E-40DD-AFC4-6F175D3DCCD1}">
+              <a14:hiddenFill xmlns:a14="http://schemas.microsoft.com/office/drawing/2010/main">
+                <a:solidFill>
+                  <a:srgbClr val="FFFFFF"/>
+                </a:solidFill>
+              </a14:hiddenFill>
+            </a:ext>
+          </a:extLst>
+        </p:spPr>
+      </p:pic>
+      <p:pic>
+        <p:nvPicPr>
+          <p:cNvPr id="1034" name="Picture 10" descr="Bar Chart Down Icon - Free Icons">
+            <a:extLst>
+              <a:ext uri="{FF2B5EF4-FFF2-40B4-BE49-F238E27FC236}">
+                <a16:creationId xmlns:a16="http://schemas.microsoft.com/office/drawing/2014/main" id="{B8658312-DDDA-4291-BF0C-FBD7D083269B}"/>
+              </a:ext>
+            </a:extLst>
+          </p:cNvPr>
+          <p:cNvPicPr>
+            <a:picLocks noChangeAspect="1" noChangeArrowheads="1"/>
+          </p:cNvPicPr>
+          <p:nvPr/>
+        </p:nvPicPr>
+        <p:blipFill>
+          <a:blip r:embed="rId4">
+            <a:extLst>
+              <a:ext uri="{28A0092B-C50C-407E-A947-70E740481C1C}">
+                <a14:useLocalDpi xmlns:a14="http://schemas.microsoft.com/office/drawing/2010/main" val="0"/>
+              </a:ext>
+            </a:extLst>
+          </a:blip>
+          <a:srcRect/>
+          <a:stretch>
+            <a:fillRect/>
+          </a:stretch>
+        </p:blipFill>
+        <p:spPr bwMode="auto">
+          <a:xfrm>
+            <a:off x="6929862" y="3533002"/>
+            <a:ext cx="865011" cy="865011"/>
+          </a:xfrm>
+          <a:prstGeom prst="rect">
+            <a:avLst/>
+          </a:prstGeom>
+          <a:noFill/>
+          <a:extLst>
+            <a:ext uri="{909E8E84-426E-40DD-AFC4-6F175D3DCCD1}">
+              <a14:hiddenFill xmlns:a14="http://schemas.microsoft.com/office/drawing/2010/main">
+                <a:solidFill>
+                  <a:srgbClr val="FFFFFF"/>
+                </a:solidFill>
+              </a14:hiddenFill>
+            </a:ext>
+          </a:extLst>
+        </p:spPr>
+      </p:pic>
+      <p:cxnSp>
+        <p:nvCxnSpPr>
+          <p:cNvPr id="99" name="Straight Arrow Connector 98">
+            <a:extLst>
+              <a:ext uri="{FF2B5EF4-FFF2-40B4-BE49-F238E27FC236}">
+                <a16:creationId xmlns:a16="http://schemas.microsoft.com/office/drawing/2014/main" id="{77D656EF-1AAB-4F19-B9C0-966E8842DE71}"/>
+              </a:ext>
+            </a:extLst>
+          </p:cNvPr>
+          <p:cNvCxnSpPr>
+            <a:cxnSpLocks/>
+            <a:stCxn id="90" idx="3"/>
+            <a:endCxn id="1040" idx="1"/>
+          </p:cNvCxnSpPr>
+          <p:nvPr/>
+        </p:nvCxnSpPr>
+        <p:spPr>
+          <a:xfrm flipV="1">
+            <a:off x="7888987" y="3946854"/>
+            <a:ext cx="2341087" cy="99"/>
+          </a:xfrm>
+          <a:prstGeom prst="straightConnector1">
+            <a:avLst/>
+          </a:prstGeom>
+          <a:ln>
+            <a:tailEnd type="triangle"/>
+          </a:ln>
+        </p:spPr>
+        <p:style>
+          <a:lnRef idx="1">
+            <a:schemeClr val="dk1"/>
+          </a:lnRef>
+          <a:fillRef idx="0">
+            <a:schemeClr val="dk1"/>
+          </a:fillRef>
+          <a:effectRef idx="0">
+            <a:schemeClr val="dk1"/>
+          </a:effectRef>
+          <a:fontRef idx="minor">
+            <a:schemeClr val="tx1"/>
+          </a:fontRef>
+        </p:style>
+      </p:cxnSp>
+      <p:pic>
+        <p:nvPicPr>
+          <p:cNvPr id="1040" name="Picture 16" descr="List free icon - interface, list, communications, tick, tasks, checking |  Free icons, Support icon, Icon">
+            <a:extLst>
+              <a:ext uri="{FF2B5EF4-FFF2-40B4-BE49-F238E27FC236}">
+                <a16:creationId xmlns:a16="http://schemas.microsoft.com/office/drawing/2014/main" id="{07CDC0F1-C22F-4D2A-B7A6-4A283EA1C81F}"/>
+              </a:ext>
+            </a:extLst>
+          </p:cNvPr>
+          <p:cNvPicPr>
+            <a:picLocks noChangeAspect="1" noChangeArrowheads="1"/>
+          </p:cNvPicPr>
+          <p:nvPr/>
+        </p:nvPicPr>
+        <p:blipFill>
+          <a:blip r:embed="rId5">
+            <a:extLst>
+              <a:ext uri="{28A0092B-C50C-407E-A947-70E740481C1C}">
+                <a14:useLocalDpi xmlns:a14="http://schemas.microsoft.com/office/drawing/2010/main" val="0"/>
+              </a:ext>
+            </a:extLst>
+          </a:blip>
+          <a:srcRect/>
+          <a:stretch>
+            <a:fillRect/>
+          </a:stretch>
+        </p:blipFill>
+        <p:spPr bwMode="auto">
+          <a:xfrm>
+            <a:off x="10230074" y="3267092"/>
+            <a:ext cx="1359523" cy="1359523"/>
+          </a:xfrm>
+          <a:prstGeom prst="rect">
+            <a:avLst/>
+          </a:prstGeom>
+          <a:noFill/>
+          <a:extLst>
+            <a:ext uri="{909E8E84-426E-40DD-AFC4-6F175D3DCCD1}">
+              <a14:hiddenFill xmlns:a14="http://schemas.microsoft.com/office/drawing/2010/main">
+                <a:solidFill>
+                  <a:srgbClr val="FFFFFF"/>
+                </a:solidFill>
+              </a14:hiddenFill>
+            </a:ext>
+          </a:extLst>
+        </p:spPr>
+      </p:pic>
+      <p:sp>
+        <p:nvSpPr>
+          <p:cNvPr id="98" name="Rectangle: Folded Corner 97">
+            <a:extLst>
+              <a:ext uri="{FF2B5EF4-FFF2-40B4-BE49-F238E27FC236}">
+                <a16:creationId xmlns:a16="http://schemas.microsoft.com/office/drawing/2014/main" id="{6681AF34-0F42-4807-A682-3EEEF6374BDD}"/>
+              </a:ext>
+            </a:extLst>
+          </p:cNvPr>
+          <p:cNvSpPr/>
+          <p:nvPr/>
+        </p:nvSpPr>
+        <p:spPr>
+          <a:xfrm>
+            <a:off x="8253770" y="3604929"/>
+            <a:ext cx="1578482" cy="685980"/>
+          </a:xfrm>
+          <a:prstGeom prst="foldedCorner">
+            <a:avLst/>
+          </a:prstGeom>
+          <a:solidFill>
+            <a:schemeClr val="bg1"/>
+          </a:solidFill>
+          <a:ln>
+            <a:solidFill>
+              <a:schemeClr val="bg1">
+                <a:lumMod val="50000"/>
+              </a:schemeClr>
+            </a:solidFill>
+          </a:ln>
+          <a:effectLst>
+            <a:outerShdw blurRad="50800" dist="38100" dir="8100000" algn="tr" rotWithShape="0">
+              <a:prstClr val="black">
+                <a:alpha val="40000"/>
+              </a:prstClr>
+            </a:outerShdw>
+          </a:effectLst>
+        </p:spPr>
+        <p:style>
+          <a:lnRef idx="2">
+            <a:schemeClr val="accent1">
+              <a:shade val="50000"/>
+            </a:schemeClr>
+          </a:lnRef>
+          <a:fillRef idx="1">
+            <a:schemeClr val="accent1"/>
+          </a:fillRef>
+          <a:effectRef idx="0">
+            <a:schemeClr val="accent1"/>
+          </a:effectRef>
+          <a:fontRef idx="minor">
+            <a:schemeClr val="lt1"/>
+          </a:fontRef>
+        </p:style>
+        <p:txBody>
+          <a:bodyPr rot="0" spcFirstLastPara="0" vertOverflow="overflow" horzOverflow="overflow" vert="horz" wrap="square" lIns="91440" tIns="45720" rIns="91440" bIns="45720" numCol="1" spcCol="0" rtlCol="0" fromWordArt="0" anchor="ctr" anchorCtr="0" forceAA="0" compatLnSpc="1">
+            <a:prstTxWarp prst="textNoShape">
+              <a:avLst/>
+            </a:prstTxWarp>
+            <a:noAutofit/>
+          </a:bodyPr>
+          <a:lstStyle/>
+          <a:p>
+            <a:pPr algn="r"/>
+            <a:r>
+              <a:rPr lang="en-US" dirty="0">
+                <a:solidFill>
+                  <a:schemeClr val="tx1"/>
+                </a:solidFill>
+              </a:rPr>
+              <a:t>Find opportunities</a:t>
+            </a:r>
+          </a:p>
+        </p:txBody>
+      </p:sp>
+      <p:sp>
+        <p:nvSpPr>
+          <p:cNvPr id="105" name="Rectangle 104">
+            <a:extLst>
+              <a:ext uri="{FF2B5EF4-FFF2-40B4-BE49-F238E27FC236}">
+                <a16:creationId xmlns:a16="http://schemas.microsoft.com/office/drawing/2014/main" id="{96DDA489-621A-4AB1-9E48-C54D31639989}"/>
+              </a:ext>
+            </a:extLst>
+          </p:cNvPr>
+          <p:cNvSpPr/>
+          <p:nvPr/>
+        </p:nvSpPr>
+        <p:spPr>
+          <a:xfrm>
+            <a:off x="9812510" y="3010316"/>
+            <a:ext cx="2194650" cy="329237"/>
+          </a:xfrm>
+          <a:prstGeom prst="rect">
+            <a:avLst/>
+          </a:prstGeom>
+          <a:solidFill>
+            <a:schemeClr val="bg1"/>
+          </a:solidFill>
+          <a:ln>
+            <a:solidFill>
+              <a:schemeClr val="bg1">
+                <a:lumMod val="50000"/>
+              </a:schemeClr>
+            </a:solidFill>
+          </a:ln>
+          <a:effectLst>
+            <a:outerShdw blurRad="50800" dist="38100" dir="8100000" algn="tr" rotWithShape="0">
+              <a:prstClr val="black">
+                <a:alpha val="40000"/>
+              </a:prstClr>
+            </a:outerShdw>
+          </a:effectLst>
+        </p:spPr>
+        <p:style>
+          <a:lnRef idx="2">
+            <a:schemeClr val="accent1">
+              <a:shade val="50000"/>
+            </a:schemeClr>
+          </a:lnRef>
+          <a:fillRef idx="1">
+            <a:schemeClr val="accent1"/>
+          </a:fillRef>
+          <a:effectRef idx="0">
+            <a:schemeClr val="accent1"/>
+          </a:effectRef>
+          <a:fontRef idx="minor">
+            <a:schemeClr val="lt1"/>
+          </a:fontRef>
+        </p:style>
+        <p:txBody>
+          <a:bodyPr rtlCol="0" anchor="ctr" anchorCtr="0"/>
+          <a:lstStyle/>
+          <a:p>
+            <a:pPr algn="ctr"/>
+            <a:r>
+              <a:rPr lang="en-US" b="1" dirty="0">
+                <a:solidFill>
+                  <a:schemeClr val="tx1"/>
+                </a:solidFill>
+              </a:rPr>
+              <a:t>New Research Topics</a:t>
+            </a:r>
+            <a:endParaRPr lang="en-US" dirty="0">
+              <a:solidFill>
+                <a:schemeClr val="tx1"/>
+              </a:solidFill>
+            </a:endParaRPr>
+          </a:p>
+        </p:txBody>
+      </p:sp>
+      <p:sp>
+        <p:nvSpPr>
+          <p:cNvPr id="107" name="Rectangle: Folded Corner 106">
+            <a:extLst>
+              <a:ext uri="{FF2B5EF4-FFF2-40B4-BE49-F238E27FC236}">
+                <a16:creationId xmlns:a16="http://schemas.microsoft.com/office/drawing/2014/main" id="{7AEB2FD3-8B9C-4785-BDAD-24BC212756D4}"/>
+              </a:ext>
+            </a:extLst>
+          </p:cNvPr>
+          <p:cNvSpPr/>
+          <p:nvPr/>
+        </p:nvSpPr>
+        <p:spPr>
+          <a:xfrm>
+            <a:off x="10204416" y="5278899"/>
+            <a:ext cx="1866491" cy="945857"/>
+          </a:xfrm>
+          <a:prstGeom prst="foldedCorner">
+            <a:avLst/>
+          </a:prstGeom>
+          <a:solidFill>
+            <a:schemeClr val="bg1"/>
+          </a:solidFill>
+          <a:ln>
+            <a:solidFill>
+              <a:schemeClr val="bg1">
+                <a:lumMod val="50000"/>
+              </a:schemeClr>
+            </a:solidFill>
+          </a:ln>
+          <a:effectLst>
+            <a:outerShdw blurRad="50800" dist="38100" dir="8100000" algn="tr" rotWithShape="0">
+              <a:prstClr val="black">
+                <a:alpha val="40000"/>
+              </a:prstClr>
+            </a:outerShdw>
+          </a:effectLst>
+        </p:spPr>
+        <p:style>
+          <a:lnRef idx="2">
+            <a:schemeClr val="accent1">
+              <a:shade val="50000"/>
+            </a:schemeClr>
+          </a:lnRef>
+          <a:fillRef idx="1">
+            <a:schemeClr val="accent1"/>
+          </a:fillRef>
+          <a:effectRef idx="0">
+            <a:schemeClr val="accent1"/>
+          </a:effectRef>
+          <a:fontRef idx="minor">
+            <a:schemeClr val="lt1"/>
+          </a:fontRef>
+        </p:style>
+        <p:txBody>
+          <a:bodyPr rot="0" spcFirstLastPara="0" vertOverflow="overflow" horzOverflow="overflow" vert="horz" wrap="square" lIns="91440" tIns="45720" rIns="91440" bIns="45720" numCol="1" spcCol="0" rtlCol="0" fromWordArt="0" anchor="ctr" anchorCtr="0" forceAA="0" compatLnSpc="1">
+            <a:prstTxWarp prst="textNoShape">
+              <a:avLst/>
+            </a:prstTxWarp>
+            <a:noAutofit/>
+          </a:bodyPr>
+          <a:lstStyle/>
+          <a:p>
+            <a:pPr algn="r"/>
+            <a:r>
+              <a:rPr lang="en-US" dirty="0">
+                <a:solidFill>
+                  <a:schemeClr val="tx1"/>
+                </a:solidFill>
+              </a:rPr>
+              <a:t>Assess prior art </a:t>
+            </a:r>
+          </a:p>
+          <a:p>
+            <a:pPr algn="r"/>
+            <a:r>
+              <a:rPr lang="en-US" dirty="0">
+                <a:solidFill>
+                  <a:schemeClr val="tx1"/>
+                </a:solidFill>
+              </a:rPr>
+              <a:t>relevant to new</a:t>
+            </a:r>
+          </a:p>
+          <a:p>
+            <a:pPr algn="r"/>
+            <a:r>
+              <a:rPr lang="en-US" dirty="0">
+                <a:solidFill>
+                  <a:schemeClr val="tx1"/>
+                </a:solidFill>
+              </a:rPr>
+              <a:t>research topics</a:t>
+            </a:r>
+          </a:p>
+        </p:txBody>
+      </p:sp>
+      <p:cxnSp>
+        <p:nvCxnSpPr>
+          <p:cNvPr id="104" name="Straight Arrow Connector 103">
+            <a:extLst>
+              <a:ext uri="{FF2B5EF4-FFF2-40B4-BE49-F238E27FC236}">
+                <a16:creationId xmlns:a16="http://schemas.microsoft.com/office/drawing/2014/main" id="{1BCC9E1D-3D99-4C5E-9286-56972D3216A8}"/>
+              </a:ext>
+            </a:extLst>
+          </p:cNvPr>
+          <p:cNvCxnSpPr>
+            <a:cxnSpLocks/>
+          </p:cNvCxnSpPr>
+          <p:nvPr/>
+        </p:nvCxnSpPr>
+        <p:spPr>
+          <a:xfrm flipV="1">
+            <a:off x="11137662" y="4626615"/>
+            <a:ext cx="0" cy="639585"/>
+          </a:xfrm>
+          <a:prstGeom prst="straightConnector1">
+            <a:avLst/>
+          </a:prstGeom>
+          <a:ln>
+            <a:tailEnd type="triangle"/>
+          </a:ln>
+        </p:spPr>
+        <p:style>
+          <a:lnRef idx="1">
+            <a:schemeClr val="dk1"/>
+          </a:lnRef>
+          <a:fillRef idx="0">
+            <a:schemeClr val="dk1"/>
+          </a:fillRef>
+          <a:effectRef idx="0">
+            <a:schemeClr val="dk1"/>
+          </a:effectRef>
+          <a:fontRef idx="minor">
+            <a:schemeClr val="tx1"/>
+          </a:fontRef>
+        </p:style>
+      </p:cxnSp>
+      <p:sp>
+        <p:nvSpPr>
+          <p:cNvPr id="7" name="Oval 6">
+            <a:extLst>
+              <a:ext uri="{FF2B5EF4-FFF2-40B4-BE49-F238E27FC236}">
+                <a16:creationId xmlns:a16="http://schemas.microsoft.com/office/drawing/2014/main" id="{921B0734-FDAC-4F5C-9863-4FCD409AEB51}"/>
+              </a:ext>
+            </a:extLst>
+          </p:cNvPr>
+          <p:cNvSpPr/>
+          <p:nvPr/>
+        </p:nvSpPr>
+        <p:spPr>
+          <a:xfrm>
+            <a:off x="390612" y="1594735"/>
+            <a:ext cx="457200" cy="457200"/>
+          </a:xfrm>
+          <a:prstGeom prst="ellipse">
+            <a:avLst/>
+          </a:prstGeom>
+        </p:spPr>
+        <p:style>
+          <a:lnRef idx="2">
+            <a:schemeClr val="dk1">
+              <a:shade val="50000"/>
+            </a:schemeClr>
+          </a:lnRef>
+          <a:fillRef idx="1">
+            <a:schemeClr val="dk1"/>
+          </a:fillRef>
+          <a:effectRef idx="0">
+            <a:schemeClr val="dk1"/>
+          </a:effectRef>
+          <a:fontRef idx="minor">
+            <a:schemeClr val="lt1"/>
+          </a:fontRef>
+        </p:style>
+        <p:txBody>
+          <a:bodyPr rtlCol="0" anchor="ctr"/>
+          <a:lstStyle/>
+          <a:p>
+            <a:pPr algn="ctr"/>
+            <a:r>
+              <a:rPr lang="en-US" dirty="0"/>
+              <a:t>1</a:t>
+            </a:r>
+          </a:p>
+        </p:txBody>
+      </p:sp>
+      <p:sp>
+        <p:nvSpPr>
+          <p:cNvPr id="54" name="Oval 53">
+            <a:extLst>
+              <a:ext uri="{FF2B5EF4-FFF2-40B4-BE49-F238E27FC236}">
+                <a16:creationId xmlns:a16="http://schemas.microsoft.com/office/drawing/2014/main" id="{862413C0-67DA-4743-AD67-F700AF1E1625}"/>
+              </a:ext>
+            </a:extLst>
+          </p:cNvPr>
+          <p:cNvSpPr/>
+          <p:nvPr/>
+        </p:nvSpPr>
+        <p:spPr>
+          <a:xfrm>
+            <a:off x="8209917" y="3419206"/>
+            <a:ext cx="457200" cy="457200"/>
+          </a:xfrm>
+          <a:prstGeom prst="ellipse">
+            <a:avLst/>
+          </a:prstGeom>
+        </p:spPr>
+        <p:style>
+          <a:lnRef idx="2">
+            <a:schemeClr val="dk1">
+              <a:shade val="50000"/>
+            </a:schemeClr>
+          </a:lnRef>
+          <a:fillRef idx="1">
+            <a:schemeClr val="dk1"/>
+          </a:fillRef>
+          <a:effectRef idx="0">
+            <a:schemeClr val="dk1"/>
+          </a:effectRef>
+          <a:fontRef idx="minor">
+            <a:schemeClr val="lt1"/>
+          </a:fontRef>
+        </p:style>
+        <p:txBody>
+          <a:bodyPr rtlCol="0" anchor="ctr"/>
+          <a:lstStyle/>
+          <a:p>
+            <a:pPr algn="ctr"/>
+            <a:r>
+              <a:rPr lang="en-US" dirty="0"/>
+              <a:t>4</a:t>
+            </a:r>
+          </a:p>
+        </p:txBody>
+      </p:sp>
+      <p:sp>
+        <p:nvSpPr>
+          <p:cNvPr id="9" name="Cylinder 8">
+            <a:extLst>
+              <a:ext uri="{FF2B5EF4-FFF2-40B4-BE49-F238E27FC236}">
+                <a16:creationId xmlns:a16="http://schemas.microsoft.com/office/drawing/2014/main" id="{ECC34CC8-FCE9-4ECC-A81C-7CF0BFCB2AC1}"/>
+              </a:ext>
+            </a:extLst>
+          </p:cNvPr>
+          <p:cNvSpPr/>
+          <p:nvPr/>
+        </p:nvSpPr>
+        <p:spPr>
+          <a:xfrm>
+            <a:off x="409248" y="818650"/>
+            <a:ext cx="2186477" cy="600096"/>
+          </a:xfrm>
+          <a:prstGeom prst="can">
+            <a:avLst/>
+          </a:prstGeom>
+          <a:solidFill>
+            <a:schemeClr val="bg1"/>
+          </a:solidFill>
+          <a:ln>
+            <a:solidFill>
+              <a:schemeClr val="bg1">
+                <a:lumMod val="50000"/>
+              </a:schemeClr>
+            </a:solidFill>
+          </a:ln>
+          <a:effectLst>
+            <a:outerShdw blurRad="50800" dist="38100" dir="8100000" algn="tr" rotWithShape="0">
+              <a:prstClr val="black">
+                <a:alpha val="40000"/>
+              </a:prstClr>
+            </a:outerShdw>
+          </a:effectLst>
+        </p:spPr>
+        <p:style>
+          <a:lnRef idx="2">
+            <a:schemeClr val="accent1">
+              <a:shade val="50000"/>
+            </a:schemeClr>
+          </a:lnRef>
+          <a:fillRef idx="1">
+            <a:schemeClr val="accent1"/>
+          </a:fillRef>
+          <a:effectRef idx="0">
+            <a:schemeClr val="accent1"/>
+          </a:effectRef>
+          <a:fontRef idx="minor">
+            <a:schemeClr val="lt1"/>
+          </a:fontRef>
+        </p:style>
+        <p:txBody>
+          <a:bodyPr rtlCol="0" anchor="ctr" anchorCtr="0"/>
+          <a:lstStyle/>
+          <a:p>
+            <a:pPr algn="ctr"/>
+            <a:r>
+              <a:rPr lang="en-US" b="1" dirty="0">
+                <a:solidFill>
+                  <a:schemeClr val="tx1"/>
+                </a:solidFill>
+              </a:rPr>
+              <a:t>Engineering Village</a:t>
+            </a:r>
+          </a:p>
+        </p:txBody>
+      </p:sp>
+      <p:cxnSp>
+        <p:nvCxnSpPr>
+          <p:cNvPr id="55" name="Straight Arrow Connector 54">
+            <a:extLst>
+              <a:ext uri="{FF2B5EF4-FFF2-40B4-BE49-F238E27FC236}">
+                <a16:creationId xmlns:a16="http://schemas.microsoft.com/office/drawing/2014/main" id="{79CED384-C9D4-4509-A8DF-D0B2576A8074}"/>
+              </a:ext>
+            </a:extLst>
+          </p:cNvPr>
+          <p:cNvCxnSpPr>
+            <a:cxnSpLocks/>
+          </p:cNvCxnSpPr>
+          <p:nvPr/>
+        </p:nvCxnSpPr>
+        <p:spPr>
+          <a:xfrm>
+            <a:off x="1451688" y="4115937"/>
+            <a:ext cx="3097" cy="701660"/>
+          </a:xfrm>
+          <a:prstGeom prst="straightConnector1">
+            <a:avLst/>
+          </a:prstGeom>
+          <a:ln>
+            <a:tailEnd type="triangle"/>
+          </a:ln>
+        </p:spPr>
+        <p:style>
+          <a:lnRef idx="1">
+            <a:schemeClr val="dk1"/>
+          </a:lnRef>
+          <a:fillRef idx="0">
+            <a:schemeClr val="dk1"/>
+          </a:fillRef>
+          <a:effectRef idx="0">
+            <a:schemeClr val="dk1"/>
+          </a:effectRef>
+          <a:fontRef idx="minor">
+            <a:schemeClr val="tx1"/>
+          </a:fontRef>
+        </p:style>
+      </p:cxnSp>
+      <p:sp>
+        <p:nvSpPr>
+          <p:cNvPr id="57" name="Rectangle: Folded Corner 56">
+            <a:extLst>
+              <a:ext uri="{FF2B5EF4-FFF2-40B4-BE49-F238E27FC236}">
+                <a16:creationId xmlns:a16="http://schemas.microsoft.com/office/drawing/2014/main" id="{DD6606DE-F417-45B6-A2E5-A736B5861018}"/>
+              </a:ext>
+            </a:extLst>
+          </p:cNvPr>
+          <p:cNvSpPr/>
+          <p:nvPr/>
+        </p:nvSpPr>
+        <p:spPr>
+          <a:xfrm>
+            <a:off x="223520" y="4199166"/>
+            <a:ext cx="2598816" cy="457200"/>
+          </a:xfrm>
+          <a:prstGeom prst="foldedCorner">
+            <a:avLst/>
+          </a:prstGeom>
+          <a:solidFill>
+            <a:schemeClr val="bg1"/>
+          </a:solidFill>
+          <a:ln>
+            <a:solidFill>
+              <a:schemeClr val="bg1">
+                <a:lumMod val="50000"/>
+              </a:schemeClr>
+            </a:solidFill>
+          </a:ln>
+          <a:effectLst>
+            <a:outerShdw blurRad="50800" dist="38100" dir="8100000" algn="tr" rotWithShape="0">
+              <a:prstClr val="black">
+                <a:alpha val="40000"/>
+              </a:prstClr>
+            </a:outerShdw>
+          </a:effectLst>
+        </p:spPr>
+        <p:style>
+          <a:lnRef idx="2">
+            <a:schemeClr val="accent1">
+              <a:shade val="50000"/>
+            </a:schemeClr>
+          </a:lnRef>
+          <a:fillRef idx="1">
+            <a:schemeClr val="accent1"/>
+          </a:fillRef>
+          <a:effectRef idx="0">
+            <a:schemeClr val="accent1"/>
+          </a:effectRef>
+          <a:fontRef idx="minor">
+            <a:schemeClr val="lt1"/>
+          </a:fontRef>
+        </p:style>
+        <p:txBody>
+          <a:bodyPr rot="0" spcFirstLastPara="0" vertOverflow="overflow" horzOverflow="overflow" vert="horz" wrap="square" lIns="91440" tIns="45720" rIns="91440" bIns="45720" numCol="1" spcCol="0" rtlCol="0" fromWordArt="0" anchor="ctr" anchorCtr="0" forceAA="0" compatLnSpc="1">
+            <a:prstTxWarp prst="textNoShape">
+              <a:avLst/>
+            </a:prstTxWarp>
+            <a:noAutofit/>
+          </a:bodyPr>
+          <a:lstStyle/>
+          <a:p>
+            <a:pPr algn="r"/>
+            <a:r>
+              <a:rPr lang="en-US" dirty="0">
+                <a:solidFill>
+                  <a:schemeClr val="tx1"/>
+                </a:solidFill>
+              </a:rPr>
+              <a:t>Unify, Alias, and Bucket</a:t>
+            </a:r>
+          </a:p>
+        </p:txBody>
+      </p:sp>
+      <p:sp>
+        <p:nvSpPr>
+          <p:cNvPr id="58" name="Oval 57">
+            <a:extLst>
+              <a:ext uri="{FF2B5EF4-FFF2-40B4-BE49-F238E27FC236}">
+                <a16:creationId xmlns:a16="http://schemas.microsoft.com/office/drawing/2014/main" id="{E0929972-7DC7-474D-B6E8-81B812D22351}"/>
+              </a:ext>
+            </a:extLst>
+          </p:cNvPr>
+          <p:cNvSpPr/>
+          <p:nvPr/>
+        </p:nvSpPr>
+        <p:spPr>
+          <a:xfrm>
+            <a:off x="52618" y="4199166"/>
+            <a:ext cx="457200" cy="457200"/>
+          </a:xfrm>
+          <a:prstGeom prst="ellipse">
+            <a:avLst/>
+          </a:prstGeom>
+        </p:spPr>
+        <p:style>
+          <a:lnRef idx="2">
+            <a:schemeClr val="dk1">
+              <a:shade val="50000"/>
+            </a:schemeClr>
+          </a:lnRef>
+          <a:fillRef idx="1">
+            <a:schemeClr val="dk1"/>
+          </a:fillRef>
+          <a:effectRef idx="0">
+            <a:schemeClr val="dk1"/>
+          </a:effectRef>
+          <a:fontRef idx="minor">
+            <a:schemeClr val="lt1"/>
+          </a:fontRef>
+        </p:style>
+        <p:txBody>
+          <a:bodyPr rtlCol="0" anchor="ctr"/>
+          <a:lstStyle/>
+          <a:p>
+            <a:pPr algn="ctr"/>
+            <a:r>
+              <a:rPr lang="en-US" dirty="0"/>
+              <a:t>2</a:t>
+            </a:r>
+          </a:p>
+        </p:txBody>
+      </p:sp>
+      <p:cxnSp>
+        <p:nvCxnSpPr>
+          <p:cNvPr id="76" name="Connector: Elbow 75">
+            <a:extLst>
+              <a:ext uri="{FF2B5EF4-FFF2-40B4-BE49-F238E27FC236}">
+                <a16:creationId xmlns:a16="http://schemas.microsoft.com/office/drawing/2014/main" id="{4B08644A-36EC-467F-B6AC-31ABCC383444}"/>
+              </a:ext>
+            </a:extLst>
+          </p:cNvPr>
+          <p:cNvCxnSpPr>
+            <a:cxnSpLocks/>
+            <a:stCxn id="36" idx="3"/>
+            <a:endCxn id="52" idx="4"/>
+          </p:cNvCxnSpPr>
+          <p:nvPr/>
+        </p:nvCxnSpPr>
+        <p:spPr>
+          <a:xfrm flipV="1">
+            <a:off x="2484903" y="3883832"/>
+            <a:ext cx="506401" cy="2373147"/>
+          </a:xfrm>
+          <a:prstGeom prst="bentConnector2">
+            <a:avLst/>
+          </a:prstGeom>
+        </p:spPr>
+        <p:style>
+          <a:lnRef idx="1">
+            <a:schemeClr val="dk1"/>
+          </a:lnRef>
+          <a:fillRef idx="0">
+            <a:schemeClr val="dk1"/>
+          </a:fillRef>
+          <a:effectRef idx="0">
+            <a:schemeClr val="dk1"/>
+          </a:effectRef>
+          <a:fontRef idx="minor">
+            <a:schemeClr val="tx1"/>
+          </a:fontRef>
+        </p:style>
+      </p:cxnSp>
+      <p:cxnSp>
+        <p:nvCxnSpPr>
+          <p:cNvPr id="81" name="Straight Arrow Connector 80">
+            <a:extLst>
+              <a:ext uri="{FF2B5EF4-FFF2-40B4-BE49-F238E27FC236}">
+                <a16:creationId xmlns:a16="http://schemas.microsoft.com/office/drawing/2014/main" id="{45479889-C486-4A9B-A2FD-4843A0673424}"/>
+              </a:ext>
+            </a:extLst>
+          </p:cNvPr>
+          <p:cNvCxnSpPr>
+            <a:cxnSpLocks/>
+            <a:stCxn id="85" idx="3"/>
+            <a:endCxn id="90" idx="1"/>
+          </p:cNvCxnSpPr>
+          <p:nvPr/>
+        </p:nvCxnSpPr>
+        <p:spPr>
+          <a:xfrm flipV="1">
+            <a:off x="5473357" y="3946953"/>
+            <a:ext cx="336464" cy="966"/>
+          </a:xfrm>
+          <a:prstGeom prst="straightConnector1">
+            <a:avLst/>
+          </a:prstGeom>
+          <a:ln>
+            <a:tailEnd type="triangle"/>
+          </a:ln>
+        </p:spPr>
+        <p:style>
+          <a:lnRef idx="1">
+            <a:schemeClr val="dk1"/>
+          </a:lnRef>
+          <a:fillRef idx="0">
+            <a:schemeClr val="dk1"/>
+          </a:fillRef>
+          <a:effectRef idx="0">
+            <a:schemeClr val="dk1"/>
+          </a:effectRef>
+          <a:fontRef idx="minor">
+            <a:schemeClr val="tx1"/>
+          </a:fontRef>
+        </p:style>
+      </p:cxnSp>
+      <p:sp>
+        <p:nvSpPr>
+          <p:cNvPr id="89" name="Oval 88">
+            <a:extLst>
+              <a:ext uri="{FF2B5EF4-FFF2-40B4-BE49-F238E27FC236}">
+                <a16:creationId xmlns:a16="http://schemas.microsoft.com/office/drawing/2014/main" id="{CDC4BA59-DE29-42BE-8BCE-C2C354635744}"/>
+              </a:ext>
+            </a:extLst>
+          </p:cNvPr>
+          <p:cNvSpPr/>
+          <p:nvPr/>
+        </p:nvSpPr>
+        <p:spPr>
+          <a:xfrm>
+            <a:off x="3193654" y="5701112"/>
+            <a:ext cx="457200" cy="457200"/>
+          </a:xfrm>
+          <a:prstGeom prst="ellipse">
+            <a:avLst/>
+          </a:prstGeom>
+        </p:spPr>
+        <p:style>
+          <a:lnRef idx="2">
+            <a:schemeClr val="dk1">
+              <a:shade val="50000"/>
+            </a:schemeClr>
+          </a:lnRef>
+          <a:fillRef idx="1">
+            <a:schemeClr val="dk1"/>
+          </a:fillRef>
+          <a:effectRef idx="0">
+            <a:schemeClr val="dk1"/>
+          </a:effectRef>
+          <a:fontRef idx="minor">
+            <a:schemeClr val="lt1"/>
+          </a:fontRef>
+        </p:style>
+        <p:txBody>
+          <a:bodyPr rtlCol="0" anchor="ctr"/>
+          <a:lstStyle/>
+          <a:p>
+            <a:pPr algn="ctr"/>
+            <a:r>
+              <a:rPr lang="en-US" dirty="0"/>
+              <a:t>5</a:t>
+            </a:r>
+          </a:p>
+        </p:txBody>
+      </p:sp>
+      <p:cxnSp>
+        <p:nvCxnSpPr>
+          <p:cNvPr id="68" name="Straight Connector 67">
+            <a:extLst>
+              <a:ext uri="{FF2B5EF4-FFF2-40B4-BE49-F238E27FC236}">
+                <a16:creationId xmlns:a16="http://schemas.microsoft.com/office/drawing/2014/main" id="{177B5774-5AF7-4214-A4B6-B9B7DDDA2168}"/>
+              </a:ext>
+            </a:extLst>
+          </p:cNvPr>
+          <p:cNvCxnSpPr>
+            <a:stCxn id="36" idx="3"/>
+            <a:endCxn id="50" idx="1"/>
+          </p:cNvCxnSpPr>
+          <p:nvPr/>
+        </p:nvCxnSpPr>
+        <p:spPr>
+          <a:xfrm>
+            <a:off x="2484903" y="6256979"/>
+            <a:ext cx="784040" cy="0"/>
+          </a:xfrm>
+          <a:prstGeom prst="line">
+            <a:avLst/>
+          </a:prstGeom>
+        </p:spPr>
+        <p:style>
+          <a:lnRef idx="1">
+            <a:schemeClr val="dk1"/>
+          </a:lnRef>
+          <a:fillRef idx="0">
+            <a:schemeClr val="dk1"/>
+          </a:fillRef>
+          <a:effectRef idx="0">
+            <a:schemeClr val="dk1"/>
+          </a:effectRef>
+          <a:fontRef idx="minor">
+            <a:schemeClr val="tx1"/>
+          </a:fontRef>
+        </p:style>
+      </p:cxnSp>
+      <p:sp>
+        <p:nvSpPr>
+          <p:cNvPr id="95" name="Oval 94">
+            <a:extLst>
+              <a:ext uri="{FF2B5EF4-FFF2-40B4-BE49-F238E27FC236}">
+                <a16:creationId xmlns:a16="http://schemas.microsoft.com/office/drawing/2014/main" id="{9F03DCCA-6D54-40ED-A919-3F6919314B7F}"/>
+              </a:ext>
+            </a:extLst>
+          </p:cNvPr>
+          <p:cNvSpPr/>
+          <p:nvPr/>
+        </p:nvSpPr>
+        <p:spPr>
+          <a:xfrm>
+            <a:off x="5826429" y="4810187"/>
+            <a:ext cx="457200" cy="457200"/>
+          </a:xfrm>
+          <a:prstGeom prst="ellipse">
+            <a:avLst/>
+          </a:prstGeom>
+        </p:spPr>
+        <p:style>
+          <a:lnRef idx="2">
+            <a:schemeClr val="dk1">
+              <a:shade val="50000"/>
+            </a:schemeClr>
+          </a:lnRef>
+          <a:fillRef idx="1">
+            <a:schemeClr val="dk1"/>
+          </a:fillRef>
+          <a:effectRef idx="0">
+            <a:schemeClr val="dk1"/>
+          </a:effectRef>
+          <a:fontRef idx="minor">
+            <a:schemeClr val="lt1"/>
+          </a:fontRef>
+        </p:style>
+        <p:txBody>
+          <a:bodyPr rtlCol="0" anchor="ctr"/>
+          <a:lstStyle/>
+          <a:p>
+            <a:pPr algn="ctr"/>
+            <a:r>
+              <a:rPr lang="en-US" dirty="0"/>
+              <a:t>6</a:t>
+            </a:r>
+          </a:p>
+        </p:txBody>
+      </p:sp>
+      <p:cxnSp>
+        <p:nvCxnSpPr>
+          <p:cNvPr id="96" name="Connector: Elbow 95">
+            <a:extLst>
+              <a:ext uri="{FF2B5EF4-FFF2-40B4-BE49-F238E27FC236}">
+                <a16:creationId xmlns:a16="http://schemas.microsoft.com/office/drawing/2014/main" id="{4F1AE4AA-4486-4BD9-837A-0979195D64B6}"/>
+              </a:ext>
+            </a:extLst>
+          </p:cNvPr>
+          <p:cNvCxnSpPr>
+            <a:cxnSpLocks/>
+            <a:stCxn id="50" idx="3"/>
+            <a:endCxn id="48" idx="1"/>
+          </p:cNvCxnSpPr>
+          <p:nvPr/>
+        </p:nvCxnSpPr>
+        <p:spPr>
+          <a:xfrm flipV="1">
+            <a:off x="5384457" y="5286239"/>
+            <a:ext cx="540466" cy="970740"/>
+          </a:xfrm>
+          <a:prstGeom prst="bentConnector3">
+            <a:avLst>
+              <a:gd name="adj1" fmla="val 50000"/>
+            </a:avLst>
+          </a:prstGeom>
+        </p:spPr>
+        <p:style>
+          <a:lnRef idx="1">
+            <a:schemeClr val="dk1"/>
+          </a:lnRef>
+          <a:fillRef idx="0">
+            <a:schemeClr val="dk1"/>
+          </a:fillRef>
+          <a:effectRef idx="0">
+            <a:schemeClr val="dk1"/>
+          </a:effectRef>
+          <a:fontRef idx="minor">
+            <a:schemeClr val="tx1"/>
+          </a:fontRef>
+        </p:style>
+      </p:cxnSp>
+      <p:sp>
+        <p:nvSpPr>
+          <p:cNvPr id="100" name="Oval 99">
+            <a:extLst>
+              <a:ext uri="{FF2B5EF4-FFF2-40B4-BE49-F238E27FC236}">
+                <a16:creationId xmlns:a16="http://schemas.microsoft.com/office/drawing/2014/main" id="{8D19669D-3DA8-46C9-9087-5878C7A08EF0}"/>
+              </a:ext>
+            </a:extLst>
+          </p:cNvPr>
+          <p:cNvSpPr/>
+          <p:nvPr/>
+        </p:nvSpPr>
+        <p:spPr>
+          <a:xfrm>
+            <a:off x="5839545" y="5744248"/>
+            <a:ext cx="457200" cy="457200"/>
+          </a:xfrm>
+          <a:prstGeom prst="ellipse">
+            <a:avLst/>
+          </a:prstGeom>
+        </p:spPr>
+        <p:style>
+          <a:lnRef idx="2">
+            <a:schemeClr val="dk1">
+              <a:shade val="50000"/>
+            </a:schemeClr>
+          </a:lnRef>
+          <a:fillRef idx="1">
+            <a:schemeClr val="dk1"/>
+          </a:fillRef>
+          <a:effectRef idx="0">
+            <a:schemeClr val="dk1"/>
+          </a:effectRef>
+          <a:fontRef idx="minor">
+            <a:schemeClr val="lt1"/>
+          </a:fontRef>
+        </p:style>
+        <p:txBody>
+          <a:bodyPr rtlCol="0" anchor="ctr"/>
+          <a:lstStyle/>
+          <a:p>
+            <a:pPr algn="ctr"/>
+            <a:r>
+              <a:rPr lang="en-US" dirty="0"/>
+              <a:t>7</a:t>
+            </a:r>
+          </a:p>
+        </p:txBody>
+      </p:sp>
+      <p:cxnSp>
+        <p:nvCxnSpPr>
+          <p:cNvPr id="101" name="Straight Connector 100">
+            <a:extLst>
+              <a:ext uri="{FF2B5EF4-FFF2-40B4-BE49-F238E27FC236}">
+                <a16:creationId xmlns:a16="http://schemas.microsoft.com/office/drawing/2014/main" id="{6152ED3A-5431-4873-9402-61EBB0E348A3}"/>
+              </a:ext>
+            </a:extLst>
+          </p:cNvPr>
+          <p:cNvCxnSpPr>
+            <a:cxnSpLocks/>
+            <a:stCxn id="50" idx="3"/>
+            <a:endCxn id="47" idx="1"/>
+          </p:cNvCxnSpPr>
+          <p:nvPr/>
+        </p:nvCxnSpPr>
+        <p:spPr>
+          <a:xfrm flipV="1">
+            <a:off x="5384457" y="6253562"/>
+            <a:ext cx="540466" cy="3417"/>
+          </a:xfrm>
+          <a:prstGeom prst="line">
+            <a:avLst/>
+          </a:prstGeom>
+        </p:spPr>
+        <p:style>
+          <a:lnRef idx="1">
+            <a:schemeClr val="dk1"/>
+          </a:lnRef>
+          <a:fillRef idx="0">
+            <a:schemeClr val="dk1"/>
+          </a:fillRef>
+          <a:effectRef idx="0">
+            <a:schemeClr val="dk1"/>
+          </a:effectRef>
+          <a:fontRef idx="minor">
+            <a:schemeClr val="tx1"/>
+          </a:fontRef>
+        </p:style>
+      </p:cxnSp>
+      <p:cxnSp>
+        <p:nvCxnSpPr>
+          <p:cNvPr id="84" name="Connector: Elbow 83">
+            <a:extLst>
+              <a:ext uri="{FF2B5EF4-FFF2-40B4-BE49-F238E27FC236}">
+                <a16:creationId xmlns:a16="http://schemas.microsoft.com/office/drawing/2014/main" id="{CA4EF846-956E-4726-A85A-A51532A61B5F}"/>
+              </a:ext>
+            </a:extLst>
+          </p:cNvPr>
+          <p:cNvCxnSpPr>
+            <a:cxnSpLocks/>
+            <a:stCxn id="48" idx="3"/>
+            <a:endCxn id="71" idx="1"/>
+          </p:cNvCxnSpPr>
+          <p:nvPr/>
+        </p:nvCxnSpPr>
+        <p:spPr>
+          <a:xfrm>
+            <a:off x="7591725" y="5286239"/>
+            <a:ext cx="354336" cy="963289"/>
+          </a:xfrm>
+          <a:prstGeom prst="bentConnector3">
+            <a:avLst/>
+          </a:prstGeom>
+          <a:ln>
+            <a:tailEnd type="triangle"/>
+          </a:ln>
+        </p:spPr>
+        <p:style>
+          <a:lnRef idx="1">
+            <a:schemeClr val="dk1"/>
+          </a:lnRef>
+          <a:fillRef idx="0">
+            <a:schemeClr val="dk1"/>
+          </a:fillRef>
+          <a:effectRef idx="0">
+            <a:schemeClr val="dk1"/>
+          </a:effectRef>
+          <a:fontRef idx="minor">
+            <a:schemeClr val="tx1"/>
+          </a:fontRef>
+        </p:style>
+      </p:cxnSp>
+      <p:cxnSp>
+        <p:nvCxnSpPr>
+          <p:cNvPr id="110" name="Connector: Elbow 109">
+            <a:extLst>
+              <a:ext uri="{FF2B5EF4-FFF2-40B4-BE49-F238E27FC236}">
+                <a16:creationId xmlns:a16="http://schemas.microsoft.com/office/drawing/2014/main" id="{339370C0-64C0-484C-B53A-BE21AE5FB034}"/>
+              </a:ext>
+            </a:extLst>
+          </p:cNvPr>
+          <p:cNvCxnSpPr>
+            <a:cxnSpLocks/>
+            <a:stCxn id="47" idx="3"/>
+            <a:endCxn id="71" idx="1"/>
+          </p:cNvCxnSpPr>
+          <p:nvPr/>
+        </p:nvCxnSpPr>
+        <p:spPr>
+          <a:xfrm flipV="1">
+            <a:off x="7589149" y="6249528"/>
+            <a:ext cx="356912" cy="4034"/>
+          </a:xfrm>
+          <a:prstGeom prst="bentConnector3">
+            <a:avLst>
+              <a:gd name="adj1" fmla="val 50000"/>
+            </a:avLst>
+          </a:prstGeom>
+          <a:ln>
+            <a:tailEnd type="triangle"/>
+          </a:ln>
+        </p:spPr>
+        <p:style>
+          <a:lnRef idx="1">
+            <a:schemeClr val="dk1"/>
+          </a:lnRef>
+          <a:fillRef idx="0">
+            <a:schemeClr val="dk1"/>
+          </a:fillRef>
+          <a:effectRef idx="0">
+            <a:schemeClr val="dk1"/>
+          </a:effectRef>
+          <a:fontRef idx="minor">
+            <a:schemeClr val="tx1"/>
+          </a:fontRef>
+        </p:style>
+      </p:cxnSp>
+      <p:sp>
+        <p:nvSpPr>
+          <p:cNvPr id="85" name="Rectangle: Folded Corner 84">
+            <a:extLst>
+              <a:ext uri="{FF2B5EF4-FFF2-40B4-BE49-F238E27FC236}">
+                <a16:creationId xmlns:a16="http://schemas.microsoft.com/office/drawing/2014/main" id="{949CE83F-A1A0-4F62-A4E7-F0B100E01ED9}"/>
+              </a:ext>
+            </a:extLst>
+          </p:cNvPr>
+          <p:cNvSpPr/>
+          <p:nvPr/>
+        </p:nvSpPr>
+        <p:spPr>
+          <a:xfrm>
+            <a:off x="2911923" y="3604929"/>
+            <a:ext cx="2561434" cy="685980"/>
+          </a:xfrm>
+          <a:prstGeom prst="foldedCorner">
+            <a:avLst/>
+          </a:prstGeom>
+          <a:solidFill>
+            <a:schemeClr val="bg1"/>
+          </a:solidFill>
+          <a:ln>
+            <a:solidFill>
+              <a:schemeClr val="bg1">
+                <a:lumMod val="50000"/>
+              </a:schemeClr>
+            </a:solidFill>
+          </a:ln>
+          <a:effectLst>
+            <a:outerShdw blurRad="50800" dist="38100" dir="8100000" algn="tr" rotWithShape="0">
+              <a:prstClr val="black">
+                <a:alpha val="40000"/>
+              </a:prstClr>
+            </a:outerShdw>
+          </a:effectLst>
+        </p:spPr>
+        <p:style>
+          <a:lnRef idx="2">
+            <a:schemeClr val="accent1">
+              <a:shade val="50000"/>
+            </a:schemeClr>
+          </a:lnRef>
+          <a:fillRef idx="1">
+            <a:schemeClr val="accent1"/>
+          </a:fillRef>
+          <a:effectRef idx="0">
+            <a:schemeClr val="accent1"/>
+          </a:effectRef>
+          <a:fontRef idx="minor">
+            <a:schemeClr val="lt1"/>
+          </a:fontRef>
+        </p:style>
+        <p:txBody>
+          <a:bodyPr rot="0" spcFirstLastPara="0" vertOverflow="overflow" horzOverflow="overflow" vert="horz" wrap="square" lIns="91440" tIns="45720" rIns="91440" bIns="45720" numCol="1" spcCol="0" rtlCol="0" fromWordArt="0" anchor="ctr" anchorCtr="0" forceAA="0" compatLnSpc="1">
+            <a:prstTxWarp prst="textNoShape">
+              <a:avLst/>
+            </a:prstTxWarp>
+            <a:noAutofit/>
+          </a:bodyPr>
+          <a:lstStyle/>
+          <a:p>
+            <a:pPr algn="r"/>
+            <a:r>
+              <a:rPr lang="en-US" dirty="0">
+                <a:solidFill>
+                  <a:schemeClr val="tx1"/>
+                </a:solidFill>
+              </a:rPr>
+              <a:t>Visualize term </a:t>
+            </a:r>
+          </a:p>
+          <a:p>
+            <a:pPr algn="r"/>
+            <a:r>
+              <a:rPr lang="en-US" dirty="0">
+                <a:solidFill>
+                  <a:schemeClr val="tx1"/>
+                </a:solidFill>
+              </a:rPr>
+              <a:t>frequency &amp; relatedness</a:t>
+            </a:r>
+          </a:p>
+        </p:txBody>
+      </p:sp>
+      <p:sp>
+        <p:nvSpPr>
+          <p:cNvPr id="52" name="Oval 51">
+            <a:extLst>
+              <a:ext uri="{FF2B5EF4-FFF2-40B4-BE49-F238E27FC236}">
+                <a16:creationId xmlns:a16="http://schemas.microsoft.com/office/drawing/2014/main" id="{EAC4C7CD-8BC8-4033-AD60-8A19C7BB502A}"/>
+              </a:ext>
+            </a:extLst>
+          </p:cNvPr>
+          <p:cNvSpPr/>
+          <p:nvPr/>
+        </p:nvSpPr>
+        <p:spPr>
+          <a:xfrm>
+            <a:off x="2762704" y="3426632"/>
+            <a:ext cx="457200" cy="457200"/>
+          </a:xfrm>
+          <a:prstGeom prst="ellipse">
+            <a:avLst/>
+          </a:prstGeom>
+        </p:spPr>
+        <p:style>
+          <a:lnRef idx="2">
+            <a:schemeClr val="dk1">
+              <a:shade val="50000"/>
+            </a:schemeClr>
+          </a:lnRef>
+          <a:fillRef idx="1">
+            <a:schemeClr val="dk1"/>
+          </a:fillRef>
+          <a:effectRef idx="0">
+            <a:schemeClr val="dk1"/>
+          </a:effectRef>
+          <a:fontRef idx="minor">
+            <a:schemeClr val="lt1"/>
+          </a:fontRef>
+        </p:style>
+        <p:txBody>
+          <a:bodyPr rtlCol="0" anchor="ctr"/>
+          <a:lstStyle/>
+          <a:p>
+            <a:pPr algn="ctr"/>
+            <a:r>
+              <a:rPr lang="en-US" dirty="0"/>
+              <a:t>3</a:t>
+            </a:r>
+          </a:p>
+        </p:txBody>
+      </p:sp>
+      <p:sp>
+        <p:nvSpPr>
+          <p:cNvPr id="114" name="Oval 113">
+            <a:extLst>
+              <a:ext uri="{FF2B5EF4-FFF2-40B4-BE49-F238E27FC236}">
+                <a16:creationId xmlns:a16="http://schemas.microsoft.com/office/drawing/2014/main" id="{43D09A52-CF9F-40F5-95C0-404AE243F4DA}"/>
+              </a:ext>
+            </a:extLst>
+          </p:cNvPr>
+          <p:cNvSpPr/>
+          <p:nvPr/>
+        </p:nvSpPr>
+        <p:spPr>
+          <a:xfrm>
+            <a:off x="10039206" y="5086942"/>
+            <a:ext cx="457200" cy="457200"/>
+          </a:xfrm>
+          <a:prstGeom prst="ellipse">
+            <a:avLst/>
+          </a:prstGeom>
+        </p:spPr>
+        <p:style>
+          <a:lnRef idx="2">
+            <a:schemeClr val="dk1">
+              <a:shade val="50000"/>
+            </a:schemeClr>
+          </a:lnRef>
+          <a:fillRef idx="1">
+            <a:schemeClr val="dk1"/>
+          </a:fillRef>
+          <a:effectRef idx="0">
+            <a:schemeClr val="dk1"/>
+          </a:effectRef>
+          <a:fontRef idx="minor">
+            <a:schemeClr val="lt1"/>
+          </a:fontRef>
+        </p:style>
+        <p:txBody>
+          <a:bodyPr rtlCol="0" anchor="ctr"/>
+          <a:lstStyle/>
+          <a:p>
+            <a:pPr algn="ctr"/>
+            <a:r>
+              <a:rPr lang="en-US" dirty="0"/>
+              <a:t>8</a:t>
+            </a:r>
+          </a:p>
+        </p:txBody>
+      </p:sp>
+    </p:spTree>
+    <p:extLst>
+      <p:ext uri="{BB962C8B-B14F-4D97-AF65-F5344CB8AC3E}">
+        <p14:creationId xmlns:p14="http://schemas.microsoft.com/office/powerpoint/2010/main" val="3993517366"/>
+      </p:ext>
+    </p:extLst>
+  </p:cSld>
+  <p:clrMapOvr>
+    <a:masterClrMapping/>
+  </p:clrMapOvr>
+</p:sld>
+</file>
+
 <file path=ppt/theme/theme1.xml><?xml version="1.0" encoding="utf-8"?>
 <a:theme xmlns:a="http://schemas.openxmlformats.org/drawingml/2006/main" name="Office Theme">
   <a:themeElements>
